--- a/papers/Intellisys/figs/graphs.pptx
+++ b/papers/Intellisys/figs/graphs.pptx
@@ -114,10 +114,6 @@
     </p:ext>
   </p:extLst>
 </p:presentation>
-</file>
-
-<file path=ppt/revisionInfo.xml><?xml version="1.0" encoding="utf-8"?>
-<p1510:revInfo xmlns:a="http://schemas.openxmlformats.org/drawingml/2006/main" xmlns:r="http://schemas.openxmlformats.org/officeDocument/2006/relationships" xmlns:p1510="http://schemas.microsoft.com/office/powerpoint/2015/10/main"/>
 </file>
 
 <file path=ppt/charts/chart1.xml><?xml version="1.0" encoding="utf-8"?>
@@ -830,7 +826,7 @@
           <a:lstStyle/>
           <a:p>
             <a:pPr>
-              <a:defRPr sz="1400" b="0" i="0" u="none" strike="noStrike" kern="1200" baseline="0">
+              <a:defRPr sz="1600" b="0" i="0" u="none" strike="noStrike" kern="1200" baseline="0">
                 <a:solidFill>
                   <a:schemeClr val="tx1">
                     <a:lumMod val="65000"/>
@@ -5739,7 +5735,7 @@
           <a:p>
             <a:fld id="{E1CC8372-8FD5-4971-B7BD-B32D8629E4DA}" type="datetimeFigureOut">
               <a:rPr lang="fr-FR" smtClean="0"/>
-              <a:t>13/11/2017</a:t>
+              <a:t>28/08/2018</a:t>
             </a:fld>
             <a:endParaRPr lang="fr-FR"/>
           </a:p>
@@ -5937,7 +5933,7 @@
           <a:p>
             <a:fld id="{E1CC8372-8FD5-4971-B7BD-B32D8629E4DA}" type="datetimeFigureOut">
               <a:rPr lang="fr-FR" smtClean="0"/>
-              <a:t>13/11/2017</a:t>
+              <a:t>28/08/2018</a:t>
             </a:fld>
             <a:endParaRPr lang="fr-FR"/>
           </a:p>
@@ -6145,7 +6141,7 @@
           <a:p>
             <a:fld id="{E1CC8372-8FD5-4971-B7BD-B32D8629E4DA}" type="datetimeFigureOut">
               <a:rPr lang="fr-FR" smtClean="0"/>
-              <a:t>13/11/2017</a:t>
+              <a:t>28/08/2018</a:t>
             </a:fld>
             <a:endParaRPr lang="fr-FR"/>
           </a:p>
@@ -6343,7 +6339,7 @@
           <a:p>
             <a:fld id="{E1CC8372-8FD5-4971-B7BD-B32D8629E4DA}" type="datetimeFigureOut">
               <a:rPr lang="fr-FR" smtClean="0"/>
-              <a:t>13/11/2017</a:t>
+              <a:t>28/08/2018</a:t>
             </a:fld>
             <a:endParaRPr lang="fr-FR"/>
           </a:p>
@@ -6618,7 +6614,7 @@
           <a:p>
             <a:fld id="{E1CC8372-8FD5-4971-B7BD-B32D8629E4DA}" type="datetimeFigureOut">
               <a:rPr lang="fr-FR" smtClean="0"/>
-              <a:t>13/11/2017</a:t>
+              <a:t>28/08/2018</a:t>
             </a:fld>
             <a:endParaRPr lang="fr-FR"/>
           </a:p>
@@ -6883,7 +6879,7 @@
           <a:p>
             <a:fld id="{E1CC8372-8FD5-4971-B7BD-B32D8629E4DA}" type="datetimeFigureOut">
               <a:rPr lang="fr-FR" smtClean="0"/>
-              <a:t>13/11/2017</a:t>
+              <a:t>28/08/2018</a:t>
             </a:fld>
             <a:endParaRPr lang="fr-FR"/>
           </a:p>
@@ -7295,7 +7291,7 @@
           <a:p>
             <a:fld id="{E1CC8372-8FD5-4971-B7BD-B32D8629E4DA}" type="datetimeFigureOut">
               <a:rPr lang="fr-FR" smtClean="0"/>
-              <a:t>13/11/2017</a:t>
+              <a:t>28/08/2018</a:t>
             </a:fld>
             <a:endParaRPr lang="fr-FR"/>
           </a:p>
@@ -7436,7 +7432,7 @@
           <a:p>
             <a:fld id="{E1CC8372-8FD5-4971-B7BD-B32D8629E4DA}" type="datetimeFigureOut">
               <a:rPr lang="fr-FR" smtClean="0"/>
-              <a:t>13/11/2017</a:t>
+              <a:t>28/08/2018</a:t>
             </a:fld>
             <a:endParaRPr lang="fr-FR"/>
           </a:p>
@@ -7549,7 +7545,7 @@
           <a:p>
             <a:fld id="{E1CC8372-8FD5-4971-B7BD-B32D8629E4DA}" type="datetimeFigureOut">
               <a:rPr lang="fr-FR" smtClean="0"/>
-              <a:t>13/11/2017</a:t>
+              <a:t>28/08/2018</a:t>
             </a:fld>
             <a:endParaRPr lang="fr-FR"/>
           </a:p>
@@ -7860,7 +7856,7 @@
           <a:p>
             <a:fld id="{E1CC8372-8FD5-4971-B7BD-B32D8629E4DA}" type="datetimeFigureOut">
               <a:rPr lang="fr-FR" smtClean="0"/>
-              <a:t>13/11/2017</a:t>
+              <a:t>28/08/2018</a:t>
             </a:fld>
             <a:endParaRPr lang="fr-FR"/>
           </a:p>
@@ -8148,7 +8144,7 @@
           <a:p>
             <a:fld id="{E1CC8372-8FD5-4971-B7BD-B32D8629E4DA}" type="datetimeFigureOut">
               <a:rPr lang="fr-FR" smtClean="0"/>
-              <a:t>13/11/2017</a:t>
+              <a:t>28/08/2018</a:t>
             </a:fld>
             <a:endParaRPr lang="fr-FR"/>
           </a:p>
@@ -8389,7 +8385,7 @@
           <a:p>
             <a:fld id="{E1CC8372-8FD5-4971-B7BD-B32D8629E4DA}" type="datetimeFigureOut">
               <a:rPr lang="fr-FR" smtClean="0"/>
-              <a:t>13/11/2017</a:t>
+              <a:t>28/08/2018</a:t>
             </a:fld>
             <a:endParaRPr lang="fr-FR"/>
           </a:p>
@@ -8821,7 +8817,7 @@
           <p:nvPr>
             <p:extLst>
               <p:ext uri="{D42A27DB-BD31-4B8C-83A1-F6EECF244321}">
-                <p14:modId xmlns:p14="http://schemas.microsoft.com/office/powerpoint/2010/main" val="4079786200"/>
+                <p14:modId xmlns:p14="http://schemas.microsoft.com/office/powerpoint/2010/main" val="3372955721"/>
               </p:ext>
             </p:extLst>
           </p:nvPr>

--- a/papers/Intellisys/figs/graphs.pptx
+++ b/papers/Intellisys/figs/graphs.pptx
@@ -173,7 +173,7 @@
         <c:manualLayout>
           <c:xMode val="edge"/>
           <c:yMode val="edge"/>
-          <c:x val="0.31079153117960784"/>
+          <c:x val="0.30766998799680612"/>
           <c:y val="6.0012172547754566E-2"/>
         </c:manualLayout>
       </c:layout>
@@ -5735,7 +5735,7 @@
           <a:p>
             <a:fld id="{E1CC8372-8FD5-4971-B7BD-B32D8629E4DA}" type="datetimeFigureOut">
               <a:rPr lang="fr-FR" smtClean="0"/>
-              <a:t>28/08/2018</a:t>
+              <a:t>03/09/2018</a:t>
             </a:fld>
             <a:endParaRPr lang="fr-FR"/>
           </a:p>
@@ -5933,7 +5933,7 @@
           <a:p>
             <a:fld id="{E1CC8372-8FD5-4971-B7BD-B32D8629E4DA}" type="datetimeFigureOut">
               <a:rPr lang="fr-FR" smtClean="0"/>
-              <a:t>28/08/2018</a:t>
+              <a:t>03/09/2018</a:t>
             </a:fld>
             <a:endParaRPr lang="fr-FR"/>
           </a:p>
@@ -6141,7 +6141,7 @@
           <a:p>
             <a:fld id="{E1CC8372-8FD5-4971-B7BD-B32D8629E4DA}" type="datetimeFigureOut">
               <a:rPr lang="fr-FR" smtClean="0"/>
-              <a:t>28/08/2018</a:t>
+              <a:t>03/09/2018</a:t>
             </a:fld>
             <a:endParaRPr lang="fr-FR"/>
           </a:p>
@@ -6339,7 +6339,7 @@
           <a:p>
             <a:fld id="{E1CC8372-8FD5-4971-B7BD-B32D8629E4DA}" type="datetimeFigureOut">
               <a:rPr lang="fr-FR" smtClean="0"/>
-              <a:t>28/08/2018</a:t>
+              <a:t>03/09/2018</a:t>
             </a:fld>
             <a:endParaRPr lang="fr-FR"/>
           </a:p>
@@ -6614,7 +6614,7 @@
           <a:p>
             <a:fld id="{E1CC8372-8FD5-4971-B7BD-B32D8629E4DA}" type="datetimeFigureOut">
               <a:rPr lang="fr-FR" smtClean="0"/>
-              <a:t>28/08/2018</a:t>
+              <a:t>03/09/2018</a:t>
             </a:fld>
             <a:endParaRPr lang="fr-FR"/>
           </a:p>
@@ -6879,7 +6879,7 @@
           <a:p>
             <a:fld id="{E1CC8372-8FD5-4971-B7BD-B32D8629E4DA}" type="datetimeFigureOut">
               <a:rPr lang="fr-FR" smtClean="0"/>
-              <a:t>28/08/2018</a:t>
+              <a:t>03/09/2018</a:t>
             </a:fld>
             <a:endParaRPr lang="fr-FR"/>
           </a:p>
@@ -7291,7 +7291,7 @@
           <a:p>
             <a:fld id="{E1CC8372-8FD5-4971-B7BD-B32D8629E4DA}" type="datetimeFigureOut">
               <a:rPr lang="fr-FR" smtClean="0"/>
-              <a:t>28/08/2018</a:t>
+              <a:t>03/09/2018</a:t>
             </a:fld>
             <a:endParaRPr lang="fr-FR"/>
           </a:p>
@@ -7432,7 +7432,7 @@
           <a:p>
             <a:fld id="{E1CC8372-8FD5-4971-B7BD-B32D8629E4DA}" type="datetimeFigureOut">
               <a:rPr lang="fr-FR" smtClean="0"/>
-              <a:t>28/08/2018</a:t>
+              <a:t>03/09/2018</a:t>
             </a:fld>
             <a:endParaRPr lang="fr-FR"/>
           </a:p>
@@ -7545,7 +7545,7 @@
           <a:p>
             <a:fld id="{E1CC8372-8FD5-4971-B7BD-B32D8629E4DA}" type="datetimeFigureOut">
               <a:rPr lang="fr-FR" smtClean="0"/>
-              <a:t>28/08/2018</a:t>
+              <a:t>03/09/2018</a:t>
             </a:fld>
             <a:endParaRPr lang="fr-FR"/>
           </a:p>
@@ -7856,7 +7856,7 @@
           <a:p>
             <a:fld id="{E1CC8372-8FD5-4971-B7BD-B32D8629E4DA}" type="datetimeFigureOut">
               <a:rPr lang="fr-FR" smtClean="0"/>
-              <a:t>28/08/2018</a:t>
+              <a:t>03/09/2018</a:t>
             </a:fld>
             <a:endParaRPr lang="fr-FR"/>
           </a:p>
@@ -8144,7 +8144,7 @@
           <a:p>
             <a:fld id="{E1CC8372-8FD5-4971-B7BD-B32D8629E4DA}" type="datetimeFigureOut">
               <a:rPr lang="fr-FR" smtClean="0"/>
-              <a:t>28/08/2018</a:t>
+              <a:t>03/09/2018</a:t>
             </a:fld>
             <a:endParaRPr lang="fr-FR"/>
           </a:p>
@@ -8385,7 +8385,7 @@
           <a:p>
             <a:fld id="{E1CC8372-8FD5-4971-B7BD-B32D8629E4DA}" type="datetimeFigureOut">
               <a:rPr lang="fr-FR" smtClean="0"/>
-              <a:t>28/08/2018</a:t>
+              <a:t>03/09/2018</a:t>
             </a:fld>
             <a:endParaRPr lang="fr-FR"/>
           </a:p>
@@ -8817,7 +8817,7 @@
           <p:nvPr>
             <p:extLst>
               <p:ext uri="{D42A27DB-BD31-4B8C-83A1-F6EECF244321}">
-                <p14:modId xmlns:p14="http://schemas.microsoft.com/office/powerpoint/2010/main" val="3372955721"/>
+                <p14:modId xmlns:p14="http://schemas.microsoft.com/office/powerpoint/2010/main" val="3097217047"/>
               </p:ext>
             </p:extLst>
           </p:nvPr>
